--- a/Projet 2/Belleil_Raphael_4_presentation_notes_122022.pptx
+++ b/Projet 2/Belleil_Raphael_4_presentation_notes_122022.pptx
@@ -206,7 +206,7 @@
           <a:p>
             <a:fld id="{FF84E1BB-E678-4A63-A8EF-1B6C793373EE}" type="datetimeFigureOut">
               <a:rPr lang="fr-FR" smtClean="0"/>
-              <a:t>04/01/2023</a:t>
+              <a:t>17/06/2023</a:t>
             </a:fld>
             <a:endParaRPr lang="fr-FR"/>
           </a:p>
@@ -2287,7 +2287,7 @@
           <a:p>
             <a:fld id="{6819EB08-73D4-406B-BD91-B69C589CDF07}" type="datetime1">
               <a:rPr lang="fr-FR" smtClean="0"/>
-              <a:t>04/01/2023</a:t>
+              <a:t>17/06/2023</a:t>
             </a:fld>
             <a:endParaRPr lang="fr-FR"/>
           </a:p>
@@ -2466,7 +2466,7 @@
           <a:p>
             <a:fld id="{EB9C6874-3323-4ADF-9578-8B45BDA8E862}" type="datetime1">
               <a:rPr lang="fr-FR" smtClean="0"/>
-              <a:t>04/01/2023</a:t>
+              <a:t>17/06/2023</a:t>
             </a:fld>
             <a:endParaRPr lang="fr-FR"/>
           </a:p>
@@ -2646,7 +2646,7 @@
           <a:p>
             <a:fld id="{8936DC49-E073-4A79-A470-851D7DD0800F}" type="datetime1">
               <a:rPr lang="fr-FR" smtClean="0"/>
-              <a:t>04/01/2023</a:t>
+              <a:t>17/06/2023</a:t>
             </a:fld>
             <a:endParaRPr lang="fr-FR"/>
           </a:p>
@@ -2816,7 +2816,7 @@
           <a:p>
             <a:fld id="{409E7E46-1D87-4695-8BB1-44D8A9B49516}" type="datetime1">
               <a:rPr lang="fr-FR" smtClean="0"/>
-              <a:t>04/01/2023</a:t>
+              <a:t>17/06/2023</a:t>
             </a:fld>
             <a:endParaRPr lang="fr-FR"/>
           </a:p>
@@ -3129,7 +3129,7 @@
           <a:p>
             <a:fld id="{F6E5D5C5-D269-4F89-B589-745FDD2F9256}" type="datetime1">
               <a:rPr lang="fr-FR" smtClean="0"/>
-              <a:t>04/01/2023</a:t>
+              <a:t>17/06/2023</a:t>
             </a:fld>
             <a:endParaRPr lang="fr-FR"/>
           </a:p>
@@ -3515,7 +3515,7 @@
           <a:p>
             <a:fld id="{D12103D2-D3C0-42C8-BE10-E93FD26C7803}" type="datetime1">
               <a:rPr lang="fr-FR" smtClean="0"/>
-              <a:t>04/01/2023</a:t>
+              <a:t>17/06/2023</a:t>
             </a:fld>
             <a:endParaRPr lang="fr-FR"/>
           </a:p>
@@ -3949,7 +3949,7 @@
           <a:p>
             <a:fld id="{44B63448-2D41-442D-9C70-CD63BA113DD4}" type="datetime1">
               <a:rPr lang="fr-FR" smtClean="0"/>
-              <a:t>04/01/2023</a:t>
+              <a:t>17/06/2023</a:t>
             </a:fld>
             <a:endParaRPr lang="fr-FR"/>
           </a:p>
@@ -4067,7 +4067,7 @@
           <a:p>
             <a:fld id="{E2277A35-89AA-40F9-A78D-3C8314C6C4AE}" type="datetime1">
               <a:rPr lang="fr-FR" smtClean="0"/>
-              <a:t>04/01/2023</a:t>
+              <a:t>17/06/2023</a:t>
             </a:fld>
             <a:endParaRPr lang="fr-FR"/>
           </a:p>
@@ -4162,7 +4162,7 @@
           <a:p>
             <a:fld id="{3E8D6BA4-4E97-43F4-8B1F-5F224453D5FB}" type="datetime1">
               <a:rPr lang="fr-FR" smtClean="0"/>
-              <a:t>04/01/2023</a:t>
+              <a:t>17/06/2023</a:t>
             </a:fld>
             <a:endParaRPr lang="fr-FR"/>
           </a:p>
@@ -4512,7 +4512,7 @@
           <a:p>
             <a:fld id="{937C04EF-C84D-4B24-A5F4-BBD9C4FC2EC9}" type="datetime1">
               <a:rPr lang="fr-FR" smtClean="0"/>
-              <a:t>04/01/2023</a:t>
+              <a:t>17/06/2023</a:t>
             </a:fld>
             <a:endParaRPr lang="fr-FR"/>
           </a:p>
@@ -4937,7 +4937,7 @@
           <a:p>
             <a:fld id="{13D74745-E5F8-48F0-BCC7-98B4AEA09DCD}" type="datetime1">
               <a:rPr lang="fr-FR" smtClean="0"/>
-              <a:t>04/01/2023</a:t>
+              <a:t>17/06/2023</a:t>
             </a:fld>
             <a:endParaRPr lang="fr-FR"/>
           </a:p>
@@ -5218,7 +5218,7 @@
           <a:p>
             <a:fld id="{8B87466E-5D37-46EC-BFD7-680A8397915D}" type="datetime1">
               <a:rPr lang="fr-FR" smtClean="0"/>
-              <a:t>04/01/2023</a:t>
+              <a:t>17/06/2023</a:t>
             </a:fld>
             <a:endParaRPr lang="fr-FR"/>
           </a:p>
@@ -6297,6 +6297,36 @@
           </a:p>
         </p:txBody>
       </p:sp>
+      <p:pic>
+        <p:nvPicPr>
+          <p:cNvPr id="4" name="Espace réservé du contenu 7">
+            <a:extLst>
+              <a:ext uri="{FF2B5EF4-FFF2-40B4-BE49-F238E27FC236}">
+                <a16:creationId xmlns:a16="http://schemas.microsoft.com/office/drawing/2014/main" id="{5C6058A5-5BCD-FAE6-EA9F-7B4196819B27}"/>
+              </a:ext>
+            </a:extLst>
+          </p:cNvPr>
+          <p:cNvPicPr>
+            <a:picLocks noChangeAspect="1"/>
+          </p:cNvPicPr>
+          <p:nvPr/>
+        </p:nvPicPr>
+        <p:blipFill>
+          <a:blip r:embed="rId3"/>
+          <a:stretch>
+            <a:fillRect/>
+          </a:stretch>
+        </p:blipFill>
+        <p:spPr>
+          <a:xfrm>
+            <a:off x="694480" y="2093976"/>
+            <a:ext cx="2583063" cy="382524"/>
+          </a:xfrm>
+          <a:prstGeom prst="rect">
+            <a:avLst/>
+          </a:prstGeom>
+        </p:spPr>
+      </p:pic>
     </p:spTree>
     <p:extLst>
       <p:ext uri="{BB962C8B-B14F-4D97-AF65-F5344CB8AC3E}">
